--- a/concept design/concept design.pptx
+++ b/concept design/concept design.pptx
@@ -288,7 +288,8 @@
           <a:p>
             <a:fld id="{C0A31C57-A88B-450F-A5C9-69F65F8CC544}" type="datetimeFigureOut">
               <a:rPr lang="ko-KR" altLang="en-US" smtClean="0"/>
-              <a:t>2016-01-03</a:t>
+              <a:pPr/>
+              <a:t>2016-01-04</a:t>
             </a:fld>
             <a:endParaRPr lang="ko-KR" altLang="en-US"/>
           </a:p>
@@ -330,6 +331,7 @@
           <a:p>
             <a:fld id="{1A5CA563-2691-41EF-8CAF-AAAEE70EA163}" type="slidenum">
               <a:rPr lang="ko-KR" altLang="en-US" smtClean="0"/>
+              <a:pPr/>
               <a:t>‹#›</a:t>
             </a:fld>
             <a:endParaRPr lang="ko-KR" altLang="en-US"/>
@@ -453,7 +455,8 @@
           <a:p>
             <a:fld id="{C0A31C57-A88B-450F-A5C9-69F65F8CC544}" type="datetimeFigureOut">
               <a:rPr lang="ko-KR" altLang="en-US" smtClean="0"/>
-              <a:t>2016-01-03</a:t>
+              <a:pPr/>
+              <a:t>2016-01-04</a:t>
             </a:fld>
             <a:endParaRPr lang="ko-KR" altLang="en-US"/>
           </a:p>
@@ -495,6 +498,7 @@
           <a:p>
             <a:fld id="{1A5CA563-2691-41EF-8CAF-AAAEE70EA163}" type="slidenum">
               <a:rPr lang="ko-KR" altLang="en-US" smtClean="0"/>
+              <a:pPr/>
               <a:t>‹#›</a:t>
             </a:fld>
             <a:endParaRPr lang="ko-KR" altLang="en-US"/>
@@ -628,7 +632,8 @@
           <a:p>
             <a:fld id="{C0A31C57-A88B-450F-A5C9-69F65F8CC544}" type="datetimeFigureOut">
               <a:rPr lang="ko-KR" altLang="en-US" smtClean="0"/>
-              <a:t>2016-01-03</a:t>
+              <a:pPr/>
+              <a:t>2016-01-04</a:t>
             </a:fld>
             <a:endParaRPr lang="ko-KR" altLang="en-US"/>
           </a:p>
@@ -670,6 +675,7 @@
           <a:p>
             <a:fld id="{1A5CA563-2691-41EF-8CAF-AAAEE70EA163}" type="slidenum">
               <a:rPr lang="ko-KR" altLang="en-US" smtClean="0"/>
+              <a:pPr/>
               <a:t>‹#›</a:t>
             </a:fld>
             <a:endParaRPr lang="ko-KR" altLang="en-US"/>
@@ -793,7 +799,8 @@
           <a:p>
             <a:fld id="{C0A31C57-A88B-450F-A5C9-69F65F8CC544}" type="datetimeFigureOut">
               <a:rPr lang="ko-KR" altLang="en-US" smtClean="0"/>
-              <a:t>2016-01-03</a:t>
+              <a:pPr/>
+              <a:t>2016-01-04</a:t>
             </a:fld>
             <a:endParaRPr lang="ko-KR" altLang="en-US"/>
           </a:p>
@@ -835,6 +842,7 @@
           <a:p>
             <a:fld id="{1A5CA563-2691-41EF-8CAF-AAAEE70EA163}" type="slidenum">
               <a:rPr lang="ko-KR" altLang="en-US" smtClean="0"/>
+              <a:pPr/>
               <a:t>‹#›</a:t>
             </a:fld>
             <a:endParaRPr lang="ko-KR" altLang="en-US"/>
@@ -1034,7 +1042,8 @@
           <a:p>
             <a:fld id="{C0A31C57-A88B-450F-A5C9-69F65F8CC544}" type="datetimeFigureOut">
               <a:rPr lang="ko-KR" altLang="en-US" smtClean="0"/>
-              <a:t>2016-01-03</a:t>
+              <a:pPr/>
+              <a:t>2016-01-04</a:t>
             </a:fld>
             <a:endParaRPr lang="ko-KR" altLang="en-US"/>
           </a:p>
@@ -1076,6 +1085,7 @@
           <a:p>
             <a:fld id="{1A5CA563-2691-41EF-8CAF-AAAEE70EA163}" type="slidenum">
               <a:rPr lang="ko-KR" altLang="en-US" smtClean="0"/>
+              <a:pPr/>
               <a:t>‹#›</a:t>
             </a:fld>
             <a:endParaRPr lang="ko-KR" altLang="en-US"/>
@@ -1317,7 +1327,8 @@
           <a:p>
             <a:fld id="{C0A31C57-A88B-450F-A5C9-69F65F8CC544}" type="datetimeFigureOut">
               <a:rPr lang="ko-KR" altLang="en-US" smtClean="0"/>
-              <a:t>2016-01-03</a:t>
+              <a:pPr/>
+              <a:t>2016-01-04</a:t>
             </a:fld>
             <a:endParaRPr lang="ko-KR" altLang="en-US"/>
           </a:p>
@@ -1359,6 +1370,7 @@
           <a:p>
             <a:fld id="{1A5CA563-2691-41EF-8CAF-AAAEE70EA163}" type="slidenum">
               <a:rPr lang="ko-KR" altLang="en-US" smtClean="0"/>
+              <a:pPr/>
               <a:t>‹#›</a:t>
             </a:fld>
             <a:endParaRPr lang="ko-KR" altLang="en-US"/>
@@ -1734,7 +1746,8 @@
           <a:p>
             <a:fld id="{C0A31C57-A88B-450F-A5C9-69F65F8CC544}" type="datetimeFigureOut">
               <a:rPr lang="ko-KR" altLang="en-US" smtClean="0"/>
-              <a:t>2016-01-03</a:t>
+              <a:pPr/>
+              <a:t>2016-01-04</a:t>
             </a:fld>
             <a:endParaRPr lang="ko-KR" altLang="en-US"/>
           </a:p>
@@ -1776,6 +1789,7 @@
           <a:p>
             <a:fld id="{1A5CA563-2691-41EF-8CAF-AAAEE70EA163}" type="slidenum">
               <a:rPr lang="ko-KR" altLang="en-US" smtClean="0"/>
+              <a:pPr/>
               <a:t>‹#›</a:t>
             </a:fld>
             <a:endParaRPr lang="ko-KR" altLang="en-US"/>
@@ -1847,7 +1861,8 @@
           <a:p>
             <a:fld id="{C0A31C57-A88B-450F-A5C9-69F65F8CC544}" type="datetimeFigureOut">
               <a:rPr lang="ko-KR" altLang="en-US" smtClean="0"/>
-              <a:t>2016-01-03</a:t>
+              <a:pPr/>
+              <a:t>2016-01-04</a:t>
             </a:fld>
             <a:endParaRPr lang="ko-KR" altLang="en-US"/>
           </a:p>
@@ -1889,6 +1904,7 @@
           <a:p>
             <a:fld id="{1A5CA563-2691-41EF-8CAF-AAAEE70EA163}" type="slidenum">
               <a:rPr lang="ko-KR" altLang="en-US" smtClean="0"/>
+              <a:pPr/>
               <a:t>‹#›</a:t>
             </a:fld>
             <a:endParaRPr lang="ko-KR" altLang="en-US"/>
@@ -1937,7 +1953,8 @@
           <a:p>
             <a:fld id="{C0A31C57-A88B-450F-A5C9-69F65F8CC544}" type="datetimeFigureOut">
               <a:rPr lang="ko-KR" altLang="en-US" smtClean="0"/>
-              <a:t>2016-01-03</a:t>
+              <a:pPr/>
+              <a:t>2016-01-04</a:t>
             </a:fld>
             <a:endParaRPr lang="ko-KR" altLang="en-US"/>
           </a:p>
@@ -1979,6 +1996,7 @@
           <a:p>
             <a:fld id="{1A5CA563-2691-41EF-8CAF-AAAEE70EA163}" type="slidenum">
               <a:rPr lang="ko-KR" altLang="en-US" smtClean="0"/>
+              <a:pPr/>
               <a:t>‹#›</a:t>
             </a:fld>
             <a:endParaRPr lang="ko-KR" altLang="en-US"/>
@@ -2209,7 +2227,8 @@
           <a:p>
             <a:fld id="{C0A31C57-A88B-450F-A5C9-69F65F8CC544}" type="datetimeFigureOut">
               <a:rPr lang="ko-KR" altLang="en-US" smtClean="0"/>
-              <a:t>2016-01-03</a:t>
+              <a:pPr/>
+              <a:t>2016-01-04</a:t>
             </a:fld>
             <a:endParaRPr lang="ko-KR" altLang="en-US"/>
           </a:p>
@@ -2251,6 +2270,7 @@
           <a:p>
             <a:fld id="{1A5CA563-2691-41EF-8CAF-AAAEE70EA163}" type="slidenum">
               <a:rPr lang="ko-KR" altLang="en-US" smtClean="0"/>
+              <a:pPr/>
               <a:t>‹#›</a:t>
             </a:fld>
             <a:endParaRPr lang="ko-KR" altLang="en-US"/>
@@ -2457,7 +2477,8 @@
           <a:p>
             <a:fld id="{C0A31C57-A88B-450F-A5C9-69F65F8CC544}" type="datetimeFigureOut">
               <a:rPr lang="ko-KR" altLang="en-US" smtClean="0"/>
-              <a:t>2016-01-03</a:t>
+              <a:pPr/>
+              <a:t>2016-01-04</a:t>
             </a:fld>
             <a:endParaRPr lang="ko-KR" altLang="en-US"/>
           </a:p>
@@ -2499,6 +2520,7 @@
           <a:p>
             <a:fld id="{1A5CA563-2691-41EF-8CAF-AAAEE70EA163}" type="slidenum">
               <a:rPr lang="ko-KR" altLang="en-US" smtClean="0"/>
+              <a:pPr/>
               <a:t>‹#›</a:t>
             </a:fld>
             <a:endParaRPr lang="ko-KR" altLang="en-US"/>
@@ -2665,7 +2687,8 @@
           <a:p>
             <a:fld id="{C0A31C57-A88B-450F-A5C9-69F65F8CC544}" type="datetimeFigureOut">
               <a:rPr lang="ko-KR" altLang="en-US" smtClean="0"/>
-              <a:t>2016-01-03</a:t>
+              <a:pPr/>
+              <a:t>2016-01-04</a:t>
             </a:fld>
             <a:endParaRPr lang="ko-KR" altLang="en-US"/>
           </a:p>
@@ -2743,6 +2766,7 @@
           <a:p>
             <a:fld id="{1A5CA563-2691-41EF-8CAF-AAAEE70EA163}" type="slidenum">
               <a:rPr lang="ko-KR" altLang="en-US" smtClean="0"/>
+              <a:pPr/>
               <a:t>‹#›</a:t>
             </a:fld>
             <a:endParaRPr lang="ko-KR" altLang="en-US"/>
@@ -3293,7 +3317,7 @@
         </p:nvSpPr>
         <p:spPr>
           <a:xfrm>
-            <a:off x="6588224" y="980728"/>
+            <a:off x="6398834" y="980728"/>
             <a:ext cx="1296144" cy="1800200"/>
           </a:xfrm>
           <a:prstGeom prst="can">
@@ -3341,7 +3365,146 @@
         <p:spPr>
           <a:xfrm flipH="1">
             <a:off x="4572000" y="1880828"/>
-            <a:ext cx="2016224" cy="0"/>
+            <a:ext cx="1826834" cy="0"/>
+          </a:xfrm>
+          <a:prstGeom prst="straightConnector1">
+            <a:avLst/>
+          </a:prstGeom>
+          <a:ln w="34925">
+            <a:headEnd type="triangle" w="lg" len="lg"/>
+            <a:tailEnd type="triangle" w="lg" len="lg"/>
+          </a:ln>
+        </p:spPr>
+        <p:style>
+          <a:lnRef idx="1">
+            <a:schemeClr val="accent1"/>
+          </a:lnRef>
+          <a:fillRef idx="0">
+            <a:schemeClr val="accent1"/>
+          </a:fillRef>
+          <a:effectRef idx="0">
+            <a:schemeClr val="accent1"/>
+          </a:effectRef>
+          <a:fontRef idx="minor">
+            <a:schemeClr val="tx1"/>
+          </a:fontRef>
+        </p:style>
+      </p:cxnSp>
+      <p:sp>
+        <p:nvSpPr>
+          <p:cNvPr id="12" name="직사각형 11"/>
+          <p:cNvSpPr/>
+          <p:nvPr/>
+        </p:nvSpPr>
+        <p:spPr>
+          <a:xfrm>
+            <a:off x="5220072" y="3429000"/>
+            <a:ext cx="3672408" cy="1800200"/>
+          </a:xfrm>
+          <a:prstGeom prst="rect">
+            <a:avLst/>
+          </a:prstGeom>
+          <a:noFill/>
+        </p:spPr>
+        <p:style>
+          <a:lnRef idx="2">
+            <a:schemeClr val="accent1">
+              <a:shade val="50000"/>
+            </a:schemeClr>
+          </a:lnRef>
+          <a:fillRef idx="1">
+            <a:schemeClr val="accent1"/>
+          </a:fillRef>
+          <a:effectRef idx="0">
+            <a:schemeClr val="accent1"/>
+          </a:effectRef>
+          <a:fontRef idx="minor">
+            <a:schemeClr val="lt1"/>
+          </a:fontRef>
+        </p:style>
+        <p:txBody>
+          <a:bodyPr rtlCol="0" anchor="t"/>
+          <a:lstStyle/>
+          <a:p>
+            <a:pPr algn="ctr"/>
+            <a:r>
+              <a:rPr lang="en-US" altLang="ko-KR" b="1" dirty="0" smtClean="0">
+                <a:solidFill>
+                  <a:schemeClr val="tx1"/>
+                </a:solidFill>
+              </a:rPr>
+              <a:t>Rep Manager</a:t>
+            </a:r>
+            <a:endParaRPr lang="en-US" altLang="ko-KR" b="1" dirty="0" smtClean="0">
+              <a:solidFill>
+                <a:schemeClr val="tx1"/>
+              </a:solidFill>
+            </a:endParaRPr>
+          </a:p>
+          <a:p>
+            <a:pPr algn="ctr"/>
+            <a:endParaRPr lang="en-US" altLang="ko-KR" b="1" dirty="0" smtClean="0">
+              <a:solidFill>
+                <a:schemeClr val="tx1"/>
+              </a:solidFill>
+            </a:endParaRPr>
+          </a:p>
+          <a:p>
+            <a:pPr marL="342900" indent="-342900">
+              <a:buFont typeface="+mj-lt"/>
+              <a:buAutoNum type="arabicPeriod"/>
+            </a:pPr>
+            <a:r>
+              <a:rPr lang="en-US" altLang="ko-KR" dirty="0" smtClean="0">
+                <a:solidFill>
+                  <a:schemeClr val="tx1"/>
+                </a:solidFill>
+              </a:rPr>
+              <a:t>Manage View Repository</a:t>
+            </a:r>
+          </a:p>
+          <a:p>
+            <a:pPr marL="342900" indent="-342900">
+              <a:buFont typeface="+mj-lt"/>
+              <a:buAutoNum type="arabicPeriod"/>
+            </a:pPr>
+            <a:r>
+              <a:rPr lang="en-US" altLang="ko-KR" dirty="0" smtClean="0">
+                <a:solidFill>
+                  <a:schemeClr val="tx1"/>
+                </a:solidFill>
+              </a:rPr>
+              <a:t>Test Query</a:t>
+            </a:r>
+            <a:endParaRPr lang="en-US" altLang="ko-KR" dirty="0" smtClean="0">
+              <a:solidFill>
+                <a:schemeClr val="tx1"/>
+              </a:solidFill>
+            </a:endParaRPr>
+          </a:p>
+          <a:p>
+            <a:pPr algn="ctr"/>
+            <a:endParaRPr lang="ko-KR" altLang="en-US" b="1" dirty="0">
+              <a:solidFill>
+                <a:schemeClr val="tx1"/>
+              </a:solidFill>
+            </a:endParaRPr>
+          </a:p>
+        </p:txBody>
+      </p:sp>
+      <p:cxnSp>
+        <p:nvCxnSpPr>
+          <p:cNvPr id="13" name="직선 화살표 연결선 12"/>
+          <p:cNvCxnSpPr>
+            <a:stCxn id="9" idx="3"/>
+            <a:endCxn id="12" idx="0"/>
+          </p:cNvCxnSpPr>
+          <p:nvPr/>
+        </p:nvCxnSpPr>
+        <p:spPr>
+          <a:xfrm>
+            <a:off x="7046906" y="2780928"/>
+            <a:ext cx="9370" cy="648072"/>
           </a:xfrm>
           <a:prstGeom prst="straightConnector1">
             <a:avLst/>
